--- a/DaneBezTwarzy_Prezentacja.pptx
+++ b/DaneBezTwarzy_Prezentacja.pptx
@@ -5,11 +5,11 @@
     <p:sldMasterId id="2147483648" r:id="rId1"/>
   </p:sldMasterIdLst>
   <p:sldIdLst>
-    <p:sldId id="256" r:id="rId7"/>
-    <p:sldId id="257" r:id="rId8"/>
-    <p:sldId id="258" r:id="rId9"/>
-    <p:sldId id="259" r:id="rId10"/>
-    <p:sldId id="260" r:id="rId11"/>
+    <p:sldId id="256" r:id="rId2"/>
+    <p:sldId id="257" r:id="rId3"/>
+    <p:sldId id="258" r:id="rId4"/>
+    <p:sldId id="259" r:id="rId5"/>
+    <p:sldId id="260" r:id="rId6"/>
   </p:sldIdLst>
   <p:sldSz cx="9144000" cy="6858000" type="screen4x3"/>
   <p:notesSz cx="6858000" cy="9144000"/>
@@ -108,6 +108,22 @@
       </a:defRPr>
     </a:lvl9pPr>
   </p:defaultTextStyle>
+  <p:extLst>
+    <p:ext uri="{EFAFB233-063F-42B5-8137-9DF3F51BA10A}">
+      <p15:sldGuideLst xmlns:p15="http://schemas.microsoft.com/office/powerpoint/2012/main">
+        <p15:guide id="1" orient="horz" pos="2160">
+          <p15:clr>
+            <a:srgbClr val="A4A3A4"/>
+          </p15:clr>
+        </p15:guide>
+        <p15:guide id="2" pos="2880">
+          <p15:clr>
+            <a:srgbClr val="A4A3A4"/>
+          </p15:clr>
+        </p15:guide>
+      </p15:sldGuideLst>
+    </p:ext>
+  </p:extLst>
 </p:presentation>
 </file>
 
@@ -149,10 +165,9 @@
           <a:lstStyle/>
           <a:p>
             <a:r>
-              <a:rPr lang="en-US" smtClean="0"/>
+              <a:rPr lang="en-US"/>
               <a:t>Click to edit Master title style</a:t>
             </a:r>
-            <a:endParaRPr lang="en-US"/>
           </a:p>
         </p:txBody>
       </p:sp>
@@ -268,10 +283,9 @@
           </a:lstStyle>
           <a:p>
             <a:r>
-              <a:rPr lang="en-US" smtClean="0"/>
+              <a:rPr lang="en-US"/>
               <a:t>Click to edit Master subtitle style</a:t>
             </a:r>
-            <a:endParaRPr lang="en-US"/>
           </a:p>
         </p:txBody>
       </p:sp>
@@ -292,7 +306,7 @@
           <a:p>
             <a:fld id="{5BCAD085-E8A6-8845-BD4E-CB4CCA059FC4}" type="datetimeFigureOut">
               <a:rPr lang="en-US" smtClean="0"/>
-              <a:t>1/27/13</a:t>
+              <a:t>12/7/2025</a:t>
             </a:fld>
             <a:endParaRPr lang="en-US"/>
           </a:p>
@@ -386,10 +400,9 @@
           <a:lstStyle/>
           <a:p>
             <a:r>
-              <a:rPr lang="en-US" smtClean="0"/>
+              <a:rPr lang="en-US"/>
               <a:t>Click to edit Master title style</a:t>
             </a:r>
-            <a:endParaRPr lang="en-US"/>
           </a:p>
         </p:txBody>
       </p:sp>
@@ -410,38 +423,37 @@
           <a:p>
             <a:pPr lvl="0"/>
             <a:r>
-              <a:rPr lang="en-US" smtClean="0"/>
+              <a:rPr lang="en-US"/>
               <a:t>Click to edit Master text styles</a:t>
             </a:r>
           </a:p>
           <a:p>
             <a:pPr lvl="1"/>
             <a:r>
-              <a:rPr lang="en-US" smtClean="0"/>
+              <a:rPr lang="en-US"/>
               <a:t>Second level</a:t>
             </a:r>
           </a:p>
           <a:p>
             <a:pPr lvl="2"/>
             <a:r>
-              <a:rPr lang="en-US" smtClean="0"/>
+              <a:rPr lang="en-US"/>
               <a:t>Third level</a:t>
             </a:r>
           </a:p>
           <a:p>
             <a:pPr lvl="3"/>
             <a:r>
-              <a:rPr lang="en-US" smtClean="0"/>
+              <a:rPr lang="en-US"/>
               <a:t>Fourth level</a:t>
             </a:r>
           </a:p>
           <a:p>
             <a:pPr lvl="4"/>
             <a:r>
-              <a:rPr lang="en-US" smtClean="0"/>
+              <a:rPr lang="en-US"/>
               <a:t>Fifth level</a:t>
             </a:r>
-            <a:endParaRPr lang="en-US"/>
           </a:p>
         </p:txBody>
       </p:sp>
@@ -462,7 +474,7 @@
           <a:p>
             <a:fld id="{5BCAD085-E8A6-8845-BD4E-CB4CCA059FC4}" type="datetimeFigureOut">
               <a:rPr lang="en-US" smtClean="0"/>
-              <a:t>1/27/13</a:t>
+              <a:t>12/7/2025</a:t>
             </a:fld>
             <a:endParaRPr lang="en-US"/>
           </a:p>
@@ -561,10 +573,9 @@
           <a:lstStyle/>
           <a:p>
             <a:r>
-              <a:rPr lang="en-US" smtClean="0"/>
+              <a:rPr lang="en-US"/>
               <a:t>Click to edit Master title style</a:t>
             </a:r>
-            <a:endParaRPr lang="en-US"/>
           </a:p>
         </p:txBody>
       </p:sp>
@@ -590,38 +601,37 @@
           <a:p>
             <a:pPr lvl="0"/>
             <a:r>
-              <a:rPr lang="en-US" smtClean="0"/>
+              <a:rPr lang="en-US"/>
               <a:t>Click to edit Master text styles</a:t>
             </a:r>
           </a:p>
           <a:p>
             <a:pPr lvl="1"/>
             <a:r>
-              <a:rPr lang="en-US" smtClean="0"/>
+              <a:rPr lang="en-US"/>
               <a:t>Second level</a:t>
             </a:r>
           </a:p>
           <a:p>
             <a:pPr lvl="2"/>
             <a:r>
-              <a:rPr lang="en-US" smtClean="0"/>
+              <a:rPr lang="en-US"/>
               <a:t>Third level</a:t>
             </a:r>
           </a:p>
           <a:p>
             <a:pPr lvl="3"/>
             <a:r>
-              <a:rPr lang="en-US" smtClean="0"/>
+              <a:rPr lang="en-US"/>
               <a:t>Fourth level</a:t>
             </a:r>
           </a:p>
           <a:p>
             <a:pPr lvl="4"/>
             <a:r>
-              <a:rPr lang="en-US" smtClean="0"/>
+              <a:rPr lang="en-US"/>
               <a:t>Fifth level</a:t>
             </a:r>
-            <a:endParaRPr lang="en-US"/>
           </a:p>
         </p:txBody>
       </p:sp>
@@ -642,7 +652,7 @@
           <a:p>
             <a:fld id="{5BCAD085-E8A6-8845-BD4E-CB4CCA059FC4}" type="datetimeFigureOut">
               <a:rPr lang="en-US" smtClean="0"/>
-              <a:t>1/27/13</a:t>
+              <a:t>12/7/2025</a:t>
             </a:fld>
             <a:endParaRPr lang="en-US"/>
           </a:p>
@@ -736,10 +746,9 @@
           <a:lstStyle/>
           <a:p>
             <a:r>
-              <a:rPr lang="en-US" smtClean="0"/>
+              <a:rPr lang="en-US"/>
               <a:t>Click to edit Master title style</a:t>
             </a:r>
-            <a:endParaRPr lang="en-US"/>
           </a:p>
         </p:txBody>
       </p:sp>
@@ -760,38 +769,37 @@
           <a:p>
             <a:pPr lvl="0"/>
             <a:r>
-              <a:rPr lang="en-US" smtClean="0"/>
+              <a:rPr lang="en-US"/>
               <a:t>Click to edit Master text styles</a:t>
             </a:r>
           </a:p>
           <a:p>
             <a:pPr lvl="1"/>
             <a:r>
-              <a:rPr lang="en-US" smtClean="0"/>
+              <a:rPr lang="en-US"/>
               <a:t>Second level</a:t>
             </a:r>
           </a:p>
           <a:p>
             <a:pPr lvl="2"/>
             <a:r>
-              <a:rPr lang="en-US" smtClean="0"/>
+              <a:rPr lang="en-US"/>
               <a:t>Third level</a:t>
             </a:r>
           </a:p>
           <a:p>
             <a:pPr lvl="3"/>
             <a:r>
-              <a:rPr lang="en-US" smtClean="0"/>
+              <a:rPr lang="en-US"/>
               <a:t>Fourth level</a:t>
             </a:r>
           </a:p>
           <a:p>
             <a:pPr lvl="4"/>
             <a:r>
-              <a:rPr lang="en-US" smtClean="0"/>
+              <a:rPr lang="en-US"/>
               <a:t>Fifth level</a:t>
             </a:r>
-            <a:endParaRPr lang="en-US"/>
           </a:p>
         </p:txBody>
       </p:sp>
@@ -812,7 +820,7 @@
           <a:p>
             <a:fld id="{5BCAD085-E8A6-8845-BD4E-CB4CCA059FC4}" type="datetimeFigureOut">
               <a:rPr lang="en-US" smtClean="0"/>
-              <a:t>1/27/13</a:t>
+              <a:t>12/7/2025</a:t>
             </a:fld>
             <a:endParaRPr lang="en-US"/>
           </a:p>
@@ -915,10 +923,9 @@
           </a:lstStyle>
           <a:p>
             <a:r>
-              <a:rPr lang="en-US" smtClean="0"/>
+              <a:rPr lang="en-US"/>
               <a:t>Click to edit Master title style</a:t>
             </a:r>
-            <a:endParaRPr lang="en-US"/>
           </a:p>
         </p:txBody>
       </p:sp>
@@ -1035,7 +1042,7 @@
           <a:p>
             <a:pPr lvl="0"/>
             <a:r>
-              <a:rPr lang="en-US" smtClean="0"/>
+              <a:rPr lang="en-US"/>
               <a:t>Click to edit Master text styles</a:t>
             </a:r>
           </a:p>
@@ -1058,7 +1065,7 @@
           <a:p>
             <a:fld id="{5BCAD085-E8A6-8845-BD4E-CB4CCA059FC4}" type="datetimeFigureOut">
               <a:rPr lang="en-US" smtClean="0"/>
-              <a:t>1/27/13</a:t>
+              <a:t>12/7/2025</a:t>
             </a:fld>
             <a:endParaRPr lang="en-US"/>
           </a:p>
@@ -1152,10 +1159,9 @@
           <a:lstStyle/>
           <a:p>
             <a:r>
-              <a:rPr lang="en-US" smtClean="0"/>
+              <a:rPr lang="en-US"/>
               <a:t>Click to edit Master title style</a:t>
             </a:r>
-            <a:endParaRPr lang="en-US"/>
           </a:p>
         </p:txBody>
       </p:sp>
@@ -1209,38 +1215,37 @@
           <a:p>
             <a:pPr lvl="0"/>
             <a:r>
-              <a:rPr lang="en-US" smtClean="0"/>
+              <a:rPr lang="en-US"/>
               <a:t>Click to edit Master text styles</a:t>
             </a:r>
           </a:p>
           <a:p>
             <a:pPr lvl="1"/>
             <a:r>
-              <a:rPr lang="en-US" smtClean="0"/>
+              <a:rPr lang="en-US"/>
               <a:t>Second level</a:t>
             </a:r>
           </a:p>
           <a:p>
             <a:pPr lvl="2"/>
             <a:r>
-              <a:rPr lang="en-US" smtClean="0"/>
+              <a:rPr lang="en-US"/>
               <a:t>Third level</a:t>
             </a:r>
           </a:p>
           <a:p>
             <a:pPr lvl="3"/>
             <a:r>
-              <a:rPr lang="en-US" smtClean="0"/>
+              <a:rPr lang="en-US"/>
               <a:t>Fourth level</a:t>
             </a:r>
           </a:p>
           <a:p>
             <a:pPr lvl="4"/>
             <a:r>
-              <a:rPr lang="en-US" smtClean="0"/>
+              <a:rPr lang="en-US"/>
               <a:t>Fifth level</a:t>
             </a:r>
-            <a:endParaRPr lang="en-US"/>
           </a:p>
         </p:txBody>
       </p:sp>
@@ -1294,38 +1299,37 @@
           <a:p>
             <a:pPr lvl="0"/>
             <a:r>
-              <a:rPr lang="en-US" smtClean="0"/>
+              <a:rPr lang="en-US"/>
               <a:t>Click to edit Master text styles</a:t>
             </a:r>
           </a:p>
           <a:p>
             <a:pPr lvl="1"/>
             <a:r>
-              <a:rPr lang="en-US" smtClean="0"/>
+              <a:rPr lang="en-US"/>
               <a:t>Second level</a:t>
             </a:r>
           </a:p>
           <a:p>
             <a:pPr lvl="2"/>
             <a:r>
-              <a:rPr lang="en-US" smtClean="0"/>
+              <a:rPr lang="en-US"/>
               <a:t>Third level</a:t>
             </a:r>
           </a:p>
           <a:p>
             <a:pPr lvl="3"/>
             <a:r>
-              <a:rPr lang="en-US" smtClean="0"/>
+              <a:rPr lang="en-US"/>
               <a:t>Fourth level</a:t>
             </a:r>
           </a:p>
           <a:p>
             <a:pPr lvl="4"/>
             <a:r>
-              <a:rPr lang="en-US" smtClean="0"/>
+              <a:rPr lang="en-US"/>
               <a:t>Fifth level</a:t>
             </a:r>
-            <a:endParaRPr lang="en-US"/>
           </a:p>
         </p:txBody>
       </p:sp>
@@ -1346,7 +1350,7 @@
           <a:p>
             <a:fld id="{5BCAD085-E8A6-8845-BD4E-CB4CCA059FC4}" type="datetimeFigureOut">
               <a:rPr lang="en-US" smtClean="0"/>
-              <a:t>1/27/13</a:t>
+              <a:t>12/7/2025</a:t>
             </a:fld>
             <a:endParaRPr lang="en-US"/>
           </a:p>
@@ -1444,10 +1448,9 @@
           </a:lstStyle>
           <a:p>
             <a:r>
-              <a:rPr lang="en-US" smtClean="0"/>
+              <a:rPr lang="en-US"/>
               <a:t>Click to edit Master title style</a:t>
             </a:r>
-            <a:endParaRPr lang="en-US"/>
           </a:p>
         </p:txBody>
       </p:sp>
@@ -1510,7 +1513,7 @@
           <a:p>
             <a:pPr lvl="0"/>
             <a:r>
-              <a:rPr lang="en-US" smtClean="0"/>
+              <a:rPr lang="en-US"/>
               <a:t>Click to edit Master text styles</a:t>
             </a:r>
           </a:p>
@@ -1566,38 +1569,37 @@
           <a:p>
             <a:pPr lvl="0"/>
             <a:r>
-              <a:rPr lang="en-US" smtClean="0"/>
+              <a:rPr lang="en-US"/>
               <a:t>Click to edit Master text styles</a:t>
             </a:r>
           </a:p>
           <a:p>
             <a:pPr lvl="1"/>
             <a:r>
-              <a:rPr lang="en-US" smtClean="0"/>
+              <a:rPr lang="en-US"/>
               <a:t>Second level</a:t>
             </a:r>
           </a:p>
           <a:p>
             <a:pPr lvl="2"/>
             <a:r>
-              <a:rPr lang="en-US" smtClean="0"/>
+              <a:rPr lang="en-US"/>
               <a:t>Third level</a:t>
             </a:r>
           </a:p>
           <a:p>
             <a:pPr lvl="3"/>
             <a:r>
-              <a:rPr lang="en-US" smtClean="0"/>
+              <a:rPr lang="en-US"/>
               <a:t>Fourth level</a:t>
             </a:r>
           </a:p>
           <a:p>
             <a:pPr lvl="4"/>
             <a:r>
-              <a:rPr lang="en-US" smtClean="0"/>
+              <a:rPr lang="en-US"/>
               <a:t>Fifth level</a:t>
             </a:r>
-            <a:endParaRPr lang="en-US"/>
           </a:p>
         </p:txBody>
       </p:sp>
@@ -1660,7 +1662,7 @@
           <a:p>
             <a:pPr lvl="0"/>
             <a:r>
-              <a:rPr lang="en-US" smtClean="0"/>
+              <a:rPr lang="en-US"/>
               <a:t>Click to edit Master text styles</a:t>
             </a:r>
           </a:p>
@@ -1716,38 +1718,37 @@
           <a:p>
             <a:pPr lvl="0"/>
             <a:r>
-              <a:rPr lang="en-US" smtClean="0"/>
+              <a:rPr lang="en-US"/>
               <a:t>Click to edit Master text styles</a:t>
             </a:r>
           </a:p>
           <a:p>
             <a:pPr lvl="1"/>
             <a:r>
-              <a:rPr lang="en-US" smtClean="0"/>
+              <a:rPr lang="en-US"/>
               <a:t>Second level</a:t>
             </a:r>
           </a:p>
           <a:p>
             <a:pPr lvl="2"/>
             <a:r>
-              <a:rPr lang="en-US" smtClean="0"/>
+              <a:rPr lang="en-US"/>
               <a:t>Third level</a:t>
             </a:r>
           </a:p>
           <a:p>
             <a:pPr lvl="3"/>
             <a:r>
-              <a:rPr lang="en-US" smtClean="0"/>
+              <a:rPr lang="en-US"/>
               <a:t>Fourth level</a:t>
             </a:r>
           </a:p>
           <a:p>
             <a:pPr lvl="4"/>
             <a:r>
-              <a:rPr lang="en-US" smtClean="0"/>
+              <a:rPr lang="en-US"/>
               <a:t>Fifth level</a:t>
             </a:r>
-            <a:endParaRPr lang="en-US"/>
           </a:p>
         </p:txBody>
       </p:sp>
@@ -1768,7 +1769,7 @@
           <a:p>
             <a:fld id="{5BCAD085-E8A6-8845-BD4E-CB4CCA059FC4}" type="datetimeFigureOut">
               <a:rPr lang="en-US" smtClean="0"/>
-              <a:t>1/27/13</a:t>
+              <a:t>12/7/2025</a:t>
             </a:fld>
             <a:endParaRPr lang="en-US"/>
           </a:p>
@@ -1862,10 +1863,9 @@
           <a:lstStyle/>
           <a:p>
             <a:r>
-              <a:rPr lang="en-US" smtClean="0"/>
+              <a:rPr lang="en-US"/>
               <a:t>Click to edit Master title style</a:t>
             </a:r>
-            <a:endParaRPr lang="en-US"/>
           </a:p>
         </p:txBody>
       </p:sp>
@@ -1886,7 +1886,7 @@
           <a:p>
             <a:fld id="{5BCAD085-E8A6-8845-BD4E-CB4CCA059FC4}" type="datetimeFigureOut">
               <a:rPr lang="en-US" smtClean="0"/>
-              <a:t>1/27/13</a:t>
+              <a:t>12/7/2025</a:t>
             </a:fld>
             <a:endParaRPr lang="en-US"/>
           </a:p>
@@ -1981,7 +1981,7 @@
           <a:p>
             <a:fld id="{5BCAD085-E8A6-8845-BD4E-CB4CCA059FC4}" type="datetimeFigureOut">
               <a:rPr lang="en-US" smtClean="0"/>
-              <a:t>1/27/13</a:t>
+              <a:t>12/7/2025</a:t>
             </a:fld>
             <a:endParaRPr lang="en-US"/>
           </a:p>
@@ -2084,10 +2084,9 @@
           </a:lstStyle>
           <a:p>
             <a:r>
-              <a:rPr lang="en-US" smtClean="0"/>
+              <a:rPr lang="en-US"/>
               <a:t>Click to edit Master title style</a:t>
             </a:r>
-            <a:endParaRPr lang="en-US"/>
           </a:p>
         </p:txBody>
       </p:sp>
@@ -2141,38 +2140,37 @@
           <a:p>
             <a:pPr lvl="0"/>
             <a:r>
-              <a:rPr lang="en-US" smtClean="0"/>
+              <a:rPr lang="en-US"/>
               <a:t>Click to edit Master text styles</a:t>
             </a:r>
           </a:p>
           <a:p>
             <a:pPr lvl="1"/>
             <a:r>
-              <a:rPr lang="en-US" smtClean="0"/>
+              <a:rPr lang="en-US"/>
               <a:t>Second level</a:t>
             </a:r>
           </a:p>
           <a:p>
             <a:pPr lvl="2"/>
             <a:r>
-              <a:rPr lang="en-US" smtClean="0"/>
+              <a:rPr lang="en-US"/>
               <a:t>Third level</a:t>
             </a:r>
           </a:p>
           <a:p>
             <a:pPr lvl="3"/>
             <a:r>
-              <a:rPr lang="en-US" smtClean="0"/>
+              <a:rPr lang="en-US"/>
               <a:t>Fourth level</a:t>
             </a:r>
           </a:p>
           <a:p>
             <a:pPr lvl="4"/>
             <a:r>
-              <a:rPr lang="en-US" smtClean="0"/>
+              <a:rPr lang="en-US"/>
               <a:t>Fifth level</a:t>
             </a:r>
-            <a:endParaRPr lang="en-US"/>
           </a:p>
         </p:txBody>
       </p:sp>
@@ -2235,7 +2233,7 @@
           <a:p>
             <a:pPr lvl="0"/>
             <a:r>
-              <a:rPr lang="en-US" smtClean="0"/>
+              <a:rPr lang="en-US"/>
               <a:t>Click to edit Master text styles</a:t>
             </a:r>
           </a:p>
@@ -2258,7 +2256,7 @@
           <a:p>
             <a:fld id="{5BCAD085-E8A6-8845-BD4E-CB4CCA059FC4}" type="datetimeFigureOut">
               <a:rPr lang="en-US" smtClean="0"/>
-              <a:t>1/27/13</a:t>
+              <a:t>12/7/2025</a:t>
             </a:fld>
             <a:endParaRPr lang="en-US"/>
           </a:p>
@@ -2361,10 +2359,9 @@
           </a:lstStyle>
           <a:p>
             <a:r>
-              <a:rPr lang="en-US" smtClean="0"/>
+              <a:rPr lang="en-US"/>
               <a:t>Click to edit Master title style</a:t>
             </a:r>
-            <a:endParaRPr lang="en-US"/>
           </a:p>
         </p:txBody>
       </p:sp>
@@ -2488,7 +2485,7 @@
           <a:p>
             <a:pPr lvl="0"/>
             <a:r>
-              <a:rPr lang="en-US" smtClean="0"/>
+              <a:rPr lang="en-US"/>
               <a:t>Click to edit Master text styles</a:t>
             </a:r>
           </a:p>
@@ -2511,7 +2508,7 @@
           <a:p>
             <a:fld id="{5BCAD085-E8A6-8845-BD4E-CB4CCA059FC4}" type="datetimeFigureOut">
               <a:rPr lang="en-US" smtClean="0"/>
-              <a:t>1/27/13</a:t>
+              <a:t>12/7/2025</a:t>
             </a:fld>
             <a:endParaRPr lang="en-US"/>
           </a:p>
@@ -2620,10 +2617,9 @@
           <a:lstStyle/>
           <a:p>
             <a:r>
-              <a:rPr lang="en-US" smtClean="0"/>
+              <a:rPr lang="en-US"/>
               <a:t>Click to edit Master title style</a:t>
             </a:r>
-            <a:endParaRPr lang="en-US"/>
           </a:p>
         </p:txBody>
       </p:sp>
@@ -2654,38 +2650,37 @@
           <a:p>
             <a:pPr lvl="0"/>
             <a:r>
-              <a:rPr lang="en-US" smtClean="0"/>
+              <a:rPr lang="en-US"/>
               <a:t>Click to edit Master text styles</a:t>
             </a:r>
           </a:p>
           <a:p>
             <a:pPr lvl="1"/>
             <a:r>
-              <a:rPr lang="en-US" smtClean="0"/>
+              <a:rPr lang="en-US"/>
               <a:t>Second level</a:t>
             </a:r>
           </a:p>
           <a:p>
             <a:pPr lvl="2"/>
             <a:r>
-              <a:rPr lang="en-US" smtClean="0"/>
+              <a:rPr lang="en-US"/>
               <a:t>Third level</a:t>
             </a:r>
           </a:p>
           <a:p>
             <a:pPr lvl="3"/>
             <a:r>
-              <a:rPr lang="en-US" smtClean="0"/>
+              <a:rPr lang="en-US"/>
               <a:t>Fourth level</a:t>
             </a:r>
           </a:p>
           <a:p>
             <a:pPr lvl="4"/>
             <a:r>
-              <a:rPr lang="en-US" smtClean="0"/>
+              <a:rPr lang="en-US"/>
               <a:t>Fifth level</a:t>
             </a:r>
-            <a:endParaRPr lang="en-US"/>
           </a:p>
         </p:txBody>
       </p:sp>
@@ -2724,7 +2719,7 @@
           <a:p>
             <a:fld id="{5BCAD085-E8A6-8845-BD4E-CB4CCA059FC4}" type="datetimeFigureOut">
               <a:rPr lang="en-US" smtClean="0"/>
-              <a:t>1/27/13</a:t>
+              <a:t>12/7/2025</a:t>
             </a:fld>
             <a:endParaRPr lang="en-US"/>
           </a:p>
@@ -3083,7 +3078,7 @@
 </file>
 
 <file path=ppt/slides/slide1.xml><?xml version="1.0" encoding="utf-8"?>
-<p:sld xmlns:a="http://schemas.openxmlformats.org/drawingml/2006/main" xmlns:p="http://schemas.openxmlformats.org/presentationml/2006/main" xmlns:r="http://schemas.openxmlformats.org/officeDocument/2006/relationships">
+<p:sld xmlns:a="http://schemas.openxmlformats.org/drawingml/2006/main" xmlns:r="http://schemas.openxmlformats.org/officeDocument/2006/relationships" xmlns:p="http://schemas.openxmlformats.org/presentationml/2006/main">
   <p:cSld>
     <p:spTree>
       <p:nvGrpSpPr>
@@ -3091,7 +3086,14 @@
         <p:cNvGrpSpPr/>
         <p:nvPr/>
       </p:nvGrpSpPr>
-      <p:grpSpPr/>
+      <p:grpSpPr>
+        <a:xfrm>
+          <a:off x="0" y="0"/>
+          <a:ext cx="0" cy="0"/>
+          <a:chOff x="0" y="0"/>
+          <a:chExt cx="0" cy="0"/>
+        </a:xfrm>
+      </p:grpSpPr>
       <p:sp>
         <p:nvSpPr>
           <p:cNvPr id="2" name="Rectangle 1"/>
@@ -3132,6 +3134,7 @@
           <a:lstStyle/>
           <a:p>
             <a:pPr algn="ctr"/>
+            <a:endParaRPr dirty="0"/>
           </a:p>
         </p:txBody>
       </p:sp>
@@ -3165,8 +3168,14 @@
               </a:defRPr>
             </a:pPr>
             <a:r>
-              <a:t>Dane Bez Twarzy</a:t>
-            </a:r>
+              <a:rPr dirty="0"/>
+              <a:t>Dane Bez </a:t>
+            </a:r>
+            <a:r>
+              <a:rPr dirty="0" err="1"/>
+              <a:t>Twarzy</a:t>
+            </a:r>
+            <a:endParaRPr dirty="0"/>
           </a:p>
         </p:txBody>
       </p:sp>
@@ -3178,8 +3187,8 @@
         </p:nvSpPr>
         <p:spPr>
           <a:xfrm>
-            <a:off x="914400" y="3383280"/>
-            <a:ext cx="7315200" cy="731520"/>
+            <a:off x="952451" y="3383280"/>
+            <a:ext cx="7239098" cy="1815882"/>
           </a:xfrm>
           <a:prstGeom prst="rect">
             <a:avLst/>
@@ -3200,8 +3209,65 @@
               </a:defRPr>
             </a:pPr>
             <a:r>
-              <a:t>Automatyczna Anonimizacja Danych Osobowych</a:t>
-            </a:r>
+              <a:rPr dirty="0" err="1"/>
+              <a:t>Automatyczna</a:t>
+            </a:r>
+            <a:r>
+              <a:rPr dirty="0"/>
+              <a:t> </a:t>
+            </a:r>
+            <a:r>
+              <a:rPr dirty="0" err="1"/>
+              <a:t>Anonimizacja</a:t>
+            </a:r>
+            <a:r>
+              <a:rPr dirty="0"/>
+              <a:t> </a:t>
+            </a:r>
+            <a:r>
+              <a:rPr dirty="0" err="1"/>
+              <a:t>Danych</a:t>
+            </a:r>
+            <a:r>
+              <a:rPr lang="pl-PL" dirty="0"/>
+              <a:t> Osobowych</a:t>
+            </a:r>
+          </a:p>
+          <a:p>
+            <a:pPr algn="ctr">
+              <a:defRPr sz="2800">
+                <a:solidFill>
+                  <a:srgbClr val="FFFFFF"/>
+                </a:solidFill>
+              </a:defRPr>
+            </a:pPr>
+            <a:r>
+              <a:rPr lang="pl-PL" dirty="0"/>
+              <a:t>dr inż. Sławomir Słowik</a:t>
+            </a:r>
+          </a:p>
+          <a:p>
+            <a:pPr algn="ctr">
+              <a:defRPr sz="2800">
+                <a:solidFill>
+                  <a:srgbClr val="FFFFFF"/>
+                </a:solidFill>
+              </a:defRPr>
+            </a:pPr>
+            <a:r>
+              <a:rPr lang="pl-PL" dirty="0"/>
+              <a:t>dr inż. Paweł Łosiński</a:t>
+            </a:r>
+          </a:p>
+          <a:p>
+            <a:pPr algn="ctr">
+              <a:defRPr sz="2800">
+                <a:solidFill>
+                  <a:srgbClr val="FFFFFF"/>
+                </a:solidFill>
+              </a:defRPr>
+            </a:pPr>
+            <a:endParaRPr lang="pl-PL" dirty="0"/>
           </a:p>
         </p:txBody>
       </p:sp>
@@ -3213,7 +3279,7 @@
         </p:nvSpPr>
         <p:spPr>
           <a:xfrm>
-            <a:off x="914400" y="4572000"/>
+            <a:off x="876349" y="4800600"/>
             <a:ext cx="7315200" cy="1371600"/>
           </a:xfrm>
           <a:prstGeom prst="rect">
@@ -3261,7 +3327,7 @@
 </file>
 
 <file path=ppt/slides/slide2.xml><?xml version="1.0" encoding="utf-8"?>
-<p:sld xmlns:a="http://schemas.openxmlformats.org/drawingml/2006/main" xmlns:p="http://schemas.openxmlformats.org/presentationml/2006/main" xmlns:r="http://schemas.openxmlformats.org/officeDocument/2006/relationships">
+<p:sld xmlns:a="http://schemas.openxmlformats.org/drawingml/2006/main" xmlns:r="http://schemas.openxmlformats.org/officeDocument/2006/relationships" xmlns:p="http://schemas.openxmlformats.org/presentationml/2006/main">
   <p:cSld>
     <p:spTree>
       <p:nvGrpSpPr>
@@ -3269,7 +3335,14 @@
         <p:cNvGrpSpPr/>
         <p:nvPr/>
       </p:nvGrpSpPr>
-      <p:grpSpPr/>
+      <p:grpSpPr>
+        <a:xfrm>
+          <a:off x="0" y="0"/>
+          <a:ext cx="0" cy="0"/>
+          <a:chOff x="0" y="0"/>
+          <a:chExt cx="0" cy="0"/>
+        </a:xfrm>
+      </p:grpSpPr>
       <p:sp>
         <p:nvSpPr>
           <p:cNvPr id="2" name="Title 1"/>
@@ -3312,7 +3385,9 @@
         <p:txBody>
           <a:bodyPr/>
           <a:lstStyle/>
-          <a:p/>
+          <a:p>
+            <a:endParaRPr/>
+          </a:p>
           <a:p>
             <a:pPr>
               <a:spcAft>
@@ -3423,7 +3498,7 @@
 </file>
 
 <file path=ppt/slides/slide3.xml><?xml version="1.0" encoding="utf-8"?>
-<p:sld xmlns:a="http://schemas.openxmlformats.org/drawingml/2006/main" xmlns:p="http://schemas.openxmlformats.org/presentationml/2006/main" xmlns:r="http://schemas.openxmlformats.org/officeDocument/2006/relationships">
+<p:sld xmlns:a="http://schemas.openxmlformats.org/drawingml/2006/main" xmlns:r="http://schemas.openxmlformats.org/officeDocument/2006/relationships" xmlns:p="http://schemas.openxmlformats.org/presentationml/2006/main">
   <p:cSld>
     <p:spTree>
       <p:nvGrpSpPr>
@@ -3431,7 +3506,14 @@
         <p:cNvGrpSpPr/>
         <p:nvPr/>
       </p:nvGrpSpPr>
-      <p:grpSpPr/>
+      <p:grpSpPr>
+        <a:xfrm>
+          <a:off x="0" y="0"/>
+          <a:ext cx="0" cy="0"/>
+          <a:chOff x="0" y="0"/>
+          <a:chExt cx="0" cy="0"/>
+        </a:xfrm>
+      </p:grpSpPr>
       <p:sp>
         <p:nvSpPr>
           <p:cNvPr id="2" name="Title 1"/>
@@ -3474,7 +3556,9 @@
         <p:txBody>
           <a:bodyPr/>
           <a:lstStyle/>
-          <a:p/>
+          <a:p>
+            <a:endParaRPr/>
+          </a:p>
           <a:p>
             <a:pPr>
               <a:spcAft>
@@ -3618,7 +3702,7 @@
 </file>
 
 <file path=ppt/slides/slide4.xml><?xml version="1.0" encoding="utf-8"?>
-<p:sld xmlns:a="http://schemas.openxmlformats.org/drawingml/2006/main" xmlns:p="http://schemas.openxmlformats.org/presentationml/2006/main" xmlns:r="http://schemas.openxmlformats.org/officeDocument/2006/relationships">
+<p:sld xmlns:a="http://schemas.openxmlformats.org/drawingml/2006/main" xmlns:r="http://schemas.openxmlformats.org/officeDocument/2006/relationships" xmlns:p="http://schemas.openxmlformats.org/presentationml/2006/main">
   <p:cSld>
     <p:spTree>
       <p:nvGrpSpPr>
@@ -3626,7 +3710,14 @@
         <p:cNvGrpSpPr/>
         <p:nvPr/>
       </p:nvGrpSpPr>
-      <p:grpSpPr/>
+      <p:grpSpPr>
+        <a:xfrm>
+          <a:off x="0" y="0"/>
+          <a:ext cx="0" cy="0"/>
+          <a:chOff x="0" y="0"/>
+          <a:chExt cx="0" cy="0"/>
+        </a:xfrm>
+      </p:grpSpPr>
       <p:sp>
         <p:nvSpPr>
           <p:cNvPr id="2" name="Title 1"/>
@@ -3669,7 +3760,9 @@
         <p:txBody>
           <a:bodyPr/>
           <a:lstStyle/>
-          <a:p/>
+          <a:p>
+            <a:endParaRPr/>
+          </a:p>
           <a:p>
             <a:pPr>
               <a:spcAft>
@@ -3851,7 +3944,7 @@
 </file>
 
 <file path=ppt/slides/slide5.xml><?xml version="1.0" encoding="utf-8"?>
-<p:sld xmlns:a="http://schemas.openxmlformats.org/drawingml/2006/main" xmlns:p="http://schemas.openxmlformats.org/presentationml/2006/main" xmlns:r="http://schemas.openxmlformats.org/officeDocument/2006/relationships">
+<p:sld xmlns:a="http://schemas.openxmlformats.org/drawingml/2006/main" xmlns:r="http://schemas.openxmlformats.org/officeDocument/2006/relationships" xmlns:p="http://schemas.openxmlformats.org/presentationml/2006/main">
   <p:cSld>
     <p:spTree>
       <p:nvGrpSpPr>
@@ -3859,7 +3952,14 @@
         <p:cNvGrpSpPr/>
         <p:nvPr/>
       </p:nvGrpSpPr>
-      <p:grpSpPr/>
+      <p:grpSpPr>
+        <a:xfrm>
+          <a:off x="0" y="0"/>
+          <a:ext cx="0" cy="0"/>
+          <a:chOff x="0" y="0"/>
+          <a:chExt cx="0" cy="0"/>
+        </a:xfrm>
+      </p:grpSpPr>
       <p:sp>
         <p:nvSpPr>
           <p:cNvPr id="2" name="Title 1"/>
@@ -3902,7 +4002,9 @@
         <p:txBody>
           <a:bodyPr/>
           <a:lstStyle/>
-          <a:p/>
+          <a:p>
+            <a:endParaRPr dirty="0"/>
+          </a:p>
           <a:p>
             <a:pPr>
               <a:spcAft>
@@ -3915,7 +4017,12 @@
               </a:defRPr>
             </a:pPr>
             <a:r>
-              <a:t>Przykład CLI</a:t>
+              <a:rPr dirty="0" err="1"/>
+              <a:t>Przykład</a:t>
+            </a:r>
+            <a:r>
+              <a:rPr dirty="0"/>
+              <a:t> CLI</a:t>
             </a:r>
           </a:p>
           <a:p>
@@ -3933,8 +4040,18 @@
               </a:defRPr>
             </a:pPr>
             <a:r>
-              <a:t>Osiągnięte Wyniki</a:t>
-            </a:r>
+              <a:rPr dirty="0" err="1"/>
+              <a:t>Osiągnięte</a:t>
+            </a:r>
+            <a:r>
+              <a:rPr dirty="0"/>
+              <a:t> </a:t>
+            </a:r>
+            <a:r>
+              <a:rPr dirty="0" err="1"/>
+              <a:t>Wyniki</a:t>
+            </a:r>
+            <a:endParaRPr dirty="0"/>
           </a:p>
           <a:p>
             <a:pPr lvl="1">
@@ -3944,7 +4061,56 @@
               <a:defRPr sz="1600"/>
             </a:pPr>
             <a:r>
-              <a:t>✓ Wykryto 25+ typów danych osobowych (PESEL, NIP, email, telefon, imiona)</a:t>
+              <a:rPr dirty="0"/>
+              <a:t>✓ </a:t>
+            </a:r>
+            <a:r>
+              <a:rPr dirty="0" err="1"/>
+              <a:t>Wykryto</a:t>
+            </a:r>
+            <a:r>
+              <a:rPr dirty="0"/>
+              <a:t> 25+ </a:t>
+            </a:r>
+            <a:r>
+              <a:rPr dirty="0" err="1"/>
+              <a:t>typów</a:t>
+            </a:r>
+            <a:r>
+              <a:rPr dirty="0"/>
+              <a:t> </a:t>
+            </a:r>
+            <a:r>
+              <a:rPr dirty="0" err="1"/>
+              <a:t>danych</a:t>
+            </a:r>
+            <a:r>
+              <a:rPr dirty="0"/>
+              <a:t> </a:t>
+            </a:r>
+            <a:r>
+              <a:rPr dirty="0" err="1"/>
+              <a:t>osobowych</a:t>
+            </a:r>
+            <a:r>
+              <a:rPr dirty="0"/>
+              <a:t> (PESEL, NIP, email, </a:t>
+            </a:r>
+            <a:r>
+              <a:rPr dirty="0" err="1"/>
+              <a:t>telefon</a:t>
+            </a:r>
+            <a:r>
+              <a:rPr dirty="0"/>
+              <a:t>, </a:t>
+            </a:r>
+            <a:r>
+              <a:rPr dirty="0" err="1"/>
+              <a:t>imiona</a:t>
+            </a:r>
+            <a:r>
+              <a:rPr dirty="0"/>
+              <a:t>)</a:t>
             </a:r>
           </a:p>
           <a:p>
@@ -3955,7 +4121,32 @@
               <a:defRPr sz="1600"/>
             </a:pPr>
             <a:r>
-              <a:t>✓ Chunking LLM obsługuje pliki &gt;100 KB bez błędów 413/400</a:t>
+              <a:rPr dirty="0"/>
+              <a:t>✓ Chunking LLM </a:t>
+            </a:r>
+            <a:r>
+              <a:rPr dirty="0" err="1"/>
+              <a:t>obsługuje</a:t>
+            </a:r>
+            <a:r>
+              <a:rPr dirty="0"/>
+              <a:t> </a:t>
+            </a:r>
+            <a:r>
+              <a:rPr dirty="0" err="1"/>
+              <a:t>pliki</a:t>
+            </a:r>
+            <a:r>
+              <a:rPr dirty="0"/>
+              <a:t> &gt;100 KB bez </a:t>
+            </a:r>
+            <a:r>
+              <a:rPr dirty="0" err="1"/>
+              <a:t>błędów</a:t>
+            </a:r>
+            <a:r>
+              <a:rPr dirty="0"/>
+              <a:t> 413/400</a:t>
             </a:r>
           </a:p>
           <a:p>
@@ -3966,7 +4157,48 @@
               <a:defRPr sz="1600"/>
             </a:pPr>
             <a:r>
-              <a:t>✓ Raport HTML z wykresami Plotly (interaktywny) i PDF (printable)</a:t>
+              <a:rPr dirty="0"/>
+              <a:t>✓ </a:t>
+            </a:r>
+            <a:r>
+              <a:rPr dirty="0" err="1"/>
+              <a:t>Raport</a:t>
+            </a:r>
+            <a:r>
+              <a:rPr dirty="0"/>
+              <a:t> HTML z </a:t>
+            </a:r>
+            <a:r>
+              <a:rPr dirty="0" err="1"/>
+              <a:t>wykresami</a:t>
+            </a:r>
+            <a:r>
+              <a:rPr dirty="0"/>
+              <a:t> </a:t>
+            </a:r>
+            <a:r>
+              <a:rPr dirty="0" err="1"/>
+              <a:t>Plotly</a:t>
+            </a:r>
+            <a:r>
+              <a:rPr dirty="0"/>
+              <a:t> (</a:t>
+            </a:r>
+            <a:r>
+              <a:rPr dirty="0" err="1"/>
+              <a:t>interaktywny</a:t>
+            </a:r>
+            <a:r>
+              <a:rPr dirty="0"/>
+              <a:t>) </a:t>
+            </a:r>
+            <a:r>
+              <a:rPr dirty="0" err="1"/>
+              <a:t>i</a:t>
+            </a:r>
+            <a:r>
+              <a:rPr dirty="0"/>
+              <a:t> PDF (printable)</a:t>
             </a:r>
           </a:p>
           <a:p>
@@ -3977,6 +4209,7 @@
               <a:defRPr sz="1600"/>
             </a:pPr>
             <a:r>
+              <a:rPr dirty="0"/>
               <a:t>✓ Standalone EXE (~50 MB LITE, ~600 MB FULL z NLP)</a:t>
             </a:r>
           </a:p>
@@ -3988,7 +4221,24 @@
               <a:defRPr sz="1600"/>
             </a:pPr>
             <a:r>
-              <a:t>✓ Format ENTITY zgodny z nask_train (orig.txt)</a:t>
+              <a:rPr dirty="0"/>
+              <a:t>✓ Format ENTITY </a:t>
+            </a:r>
+            <a:r>
+              <a:rPr dirty="0" err="1"/>
+              <a:t>zgodny</a:t>
+            </a:r>
+            <a:r>
+              <a:rPr dirty="0"/>
+              <a:t> z </a:t>
+            </a:r>
+            <a:r>
+              <a:rPr dirty="0" err="1"/>
+              <a:t>nask_train</a:t>
+            </a:r>
+            <a:r>
+              <a:rPr dirty="0"/>
+              <a:t> (orig.txt)</a:t>
             </a:r>
           </a:p>
         </p:txBody>
@@ -4031,7 +4281,7 @@
           </a:fontRef>
         </p:style>
         <p:txBody>
-          <a:bodyPr rtlCol="0" anchor="ctr" wrap="square"/>
+          <a:bodyPr wrap="square" rtlCol="0" anchor="ctr"/>
           <a:lstStyle/>
           <a:p>
             <a:pPr>
@@ -4082,8 +4332,8 @@
         </p:nvSpPr>
         <p:spPr>
           <a:xfrm>
-            <a:off x="457200" y="6217920"/>
-            <a:ext cx="8229600" cy="457200"/>
+            <a:off x="2427951" y="6217920"/>
+            <a:ext cx="4288097" cy="276999"/>
           </a:xfrm>
           <a:prstGeom prst="rect">
             <a:avLst/>
@@ -4104,7 +4354,24 @@
               </a:defRPr>
             </a:pPr>
             <a:r>
-              <a:t>GitHub: slawomirslowik/DaneBezTwarzy • Email: semantis@int.pl • Licencja: MIT</a:t>
+              <a:rPr dirty="0"/>
+              <a:t>GitHub: </a:t>
+            </a:r>
+            <a:r>
+              <a:rPr dirty="0" err="1"/>
+              <a:t>slawomirslowik</a:t>
+            </a:r>
+            <a:r>
+              <a:rPr dirty="0"/>
+              <a:t>/</a:t>
+            </a:r>
+            <a:r>
+              <a:rPr dirty="0" err="1"/>
+              <a:t>DaneBezTwarzy</a:t>
+            </a:r>
+            <a:r>
+              <a:rPr dirty="0"/>
+              <a:t> • Email: semantis@int.pl</a:t>
             </a:r>
           </a:p>
         </p:txBody>

--- a/DaneBezTwarzy_Prezentacja.pptx
+++ b/DaneBezTwarzy_Prezentacja.pptx
@@ -3243,7 +3243,7 @@
             </a:pPr>
             <a:r>
               <a:rPr lang="pl-PL" dirty="0"/>
-              <a:t>dr inż. Sławomir Słowik</a:t>
+              <a:t>Sławomir Słowik</a:t>
             </a:r>
           </a:p>
           <a:p>
@@ -3256,7 +3256,7 @@
             </a:pPr>
             <a:r>
               <a:rPr lang="pl-PL" dirty="0"/>
-              <a:t>dr inż. Paweł Łosiński</a:t>
+              <a:t>Paweł Łosiński</a:t>
             </a:r>
           </a:p>
           <a:p>
@@ -3554,7 +3554,9 @@
         </p:nvSpPr>
         <p:spPr/>
         <p:txBody>
-          <a:bodyPr/>
+          <a:bodyPr>
+            <a:normAutofit fontScale="92500" lnSpcReduction="20000"/>
+          </a:bodyPr>
           <a:lstStyle/>
           <a:p>
             <a:endParaRPr/>
@@ -3758,7 +3760,9 @@
         </p:nvSpPr>
         <p:spPr/>
         <p:txBody>
-          <a:bodyPr/>
+          <a:bodyPr>
+            <a:normAutofit fontScale="92500" lnSpcReduction="20000"/>
+          </a:bodyPr>
           <a:lstStyle/>
           <a:p>
             <a:endParaRPr/>
@@ -4000,7 +4004,9 @@
         </p:nvSpPr>
         <p:spPr/>
         <p:txBody>
-          <a:bodyPr/>
+          <a:bodyPr>
+            <a:normAutofit lnSpcReduction="10000"/>
+          </a:bodyPr>
           <a:lstStyle/>
           <a:p>
             <a:endParaRPr dirty="0"/>

--- a/DaneBezTwarzy_Prezentacja.pptx
+++ b/DaneBezTwarzy_Prezentacja.pptx
@@ -6,10 +6,12 @@
   </p:sldMasterIdLst>
   <p:sldIdLst>
     <p:sldId id="256" r:id="rId2"/>
-    <p:sldId id="257" r:id="rId3"/>
-    <p:sldId id="258" r:id="rId4"/>
-    <p:sldId id="259" r:id="rId5"/>
-    <p:sldId id="260" r:id="rId6"/>
+    <p:sldId id="261" r:id="rId3"/>
+    <p:sldId id="257" r:id="rId4"/>
+    <p:sldId id="258" r:id="rId5"/>
+    <p:sldId id="259" r:id="rId6"/>
+    <p:sldId id="260" r:id="rId7"/>
+    <p:sldId id="262" r:id="rId8"/>
   </p:sldIdLst>
   <p:sldSz cx="9144000" cy="6858000" type="screen4x3"/>
   <p:notesSz cx="6858000" cy="9144000"/>
@@ -3345,151 +3347,204 @@
       </p:grpSpPr>
       <p:sp>
         <p:nvSpPr>
-          <p:cNvPr id="2" name="Title 1"/>
-          <p:cNvSpPr>
-            <a:spLocks noGrp="1"/>
-          </p:cNvSpPr>
-          <p:nvPr>
-            <p:ph type="title"/>
+          <p:cNvPr id="3" name="Content Placeholder 2">
+            <a:extLst>
+              <a:ext uri="{FF2B5EF4-FFF2-40B4-BE49-F238E27FC236}">
+                <a16:creationId xmlns:a16="http://schemas.microsoft.com/office/drawing/2014/main" id="{D307D28B-6373-93CA-1D23-C936ABF30604}"/>
+              </a:ext>
+            </a:extLst>
+          </p:cNvPr>
+          <p:cNvSpPr>
+            <a:spLocks noGrp="1"/>
+          </p:cNvSpPr>
+          <p:nvPr>
+            <p:ph idx="1"/>
           </p:nvPr>
         </p:nvSpPr>
         <p:spPr/>
         <p:txBody>
-          <a:bodyPr/>
-          <a:lstStyle/>
-          <a:p>
-            <a:pPr>
-              <a:defRPr sz="4400" b="1">
-                <a:solidFill>
-                  <a:srgbClr val="667EEA"/>
-                </a:solidFill>
-              </a:defRPr>
-            </a:pPr>
-            <a:r>
-              <a:t>Problem i Rozwiązanie</a:t>
-            </a:r>
-          </a:p>
-        </p:txBody>
-      </p:sp>
-      <p:sp>
-        <p:nvSpPr>
-          <p:cNvPr id="3" name="Content Placeholder 2"/>
-          <p:cNvSpPr>
-            <a:spLocks noGrp="1"/>
-          </p:cNvSpPr>
-          <p:nvPr>
-            <p:ph idx="1"/>
-          </p:nvPr>
-        </p:nvSpPr>
-        <p:spPr/>
-        <p:txBody>
-          <a:bodyPr/>
-          <a:lstStyle/>
-          <a:p>
-            <a:endParaRPr/>
-          </a:p>
-          <a:p>
-            <a:pPr>
-              <a:spcAft>
-                <a:spcPts val="1000"/>
-              </a:spcAft>
-              <a:defRPr sz="2800" b="1">
-                <a:solidFill>
-                  <a:srgbClr val="333333"/>
-                </a:solidFill>
-              </a:defRPr>
-            </a:pPr>
-            <a:r>
-              <a:t>Problem</a:t>
-            </a:r>
-          </a:p>
-          <a:p>
-            <a:pPr lvl="1">
-              <a:spcAft>
-                <a:spcPts val="800"/>
-              </a:spcAft>
-              <a:defRPr sz="1800"/>
-            </a:pPr>
-            <a:r>
-              <a:t>Dane osobowe w dokumentach wymagają ochrony zgodnie z RODO/GDPR</a:t>
-            </a:r>
-          </a:p>
-          <a:p>
-            <a:pPr lvl="1">
-              <a:spcAft>
-                <a:spcPts val="800"/>
-              </a:spcAft>
-              <a:defRPr sz="1800"/>
-            </a:pPr>
-            <a:r>
-              <a:t>Ręczna anonimizacja setek plików jest czasochłonna i błędogenna</a:t>
-            </a:r>
-          </a:p>
-          <a:p>
-            <a:pPr lvl="1">
-              <a:spcAft>
-                <a:spcPts val="800"/>
-              </a:spcAft>
-              <a:defRPr sz="1800"/>
-            </a:pPr>
-            <a:r>
-              <a:t>Brak uniwersalnego narzędzia dla różnych formatów (DOCX, PDF, XLSX)</a:t>
-            </a:r>
-          </a:p>
-          <a:p>
-            <a:pPr>
-              <a:spcBef>
-                <a:spcPts val="2000"/>
-              </a:spcBef>
-              <a:spcAft>
-                <a:spcPts val="1000"/>
-              </a:spcAft>
-              <a:defRPr sz="2800" b="1">
-                <a:solidFill>
-                  <a:srgbClr val="667EEA"/>
-                </a:solidFill>
-              </a:defRPr>
-            </a:pPr>
-            <a:r>
-              <a:t>Rozwiązanie</a:t>
-            </a:r>
-          </a:p>
-          <a:p>
-            <a:pPr lvl="1">
-              <a:spcAft>
-                <a:spcPts val="800"/>
-              </a:spcAft>
-              <a:defRPr sz="1800"/>
-            </a:pPr>
-            <a:r>
-              <a:t>Automatyczne wykrywanie 25+ typów danych osobowych</a:t>
-            </a:r>
-          </a:p>
-          <a:p>
-            <a:pPr lvl="1">
-              <a:spcAft>
-                <a:spcPts val="800"/>
-              </a:spcAft>
-              <a:defRPr sz="1800"/>
-            </a:pPr>
-            <a:r>
-              <a:t>Wsparcie dla 5+ formatów plików (TXT, DOCX, PDF, XLSX, CSV)</a:t>
-            </a:r>
-          </a:p>
-          <a:p>
-            <a:pPr lvl="1">
-              <a:spcAft>
-                <a:spcPts val="800"/>
-              </a:spcAft>
-              <a:defRPr sz="1800"/>
-            </a:pPr>
-            <a:r>
-              <a:t>3 interfejsy: Biblioteka Python, CLI, Standalone EXE</a:t>
-            </a:r>
+          <a:bodyPr>
+            <a:normAutofit fontScale="47500" lnSpcReduction="20000"/>
+          </a:bodyPr>
+          <a:lstStyle/>
+          <a:p>
+            <a:r>
+              <a:rPr lang="pl-PL" dirty="0"/>
+              <a:t>W ramach projektu "Dane Bez Twarzy" stworzyliśmy algorytm </a:t>
+            </a:r>
+            <a:r>
+              <a:rPr lang="pl-PL" dirty="0" err="1"/>
+              <a:t>anonimizacji</a:t>
+            </a:r>
+            <a:r>
+              <a:rPr lang="pl-PL" dirty="0"/>
+              <a:t> danych osobowych, który automatycznie wykrywa i zamienia wrażliwe dane w tekstach w języku polskim. Nasze rozwiązanie:</a:t>
+            </a:r>
+          </a:p>
+          <a:p>
+            <a:r>
+              <a:rPr lang="pl-PL" b="1" dirty="0"/>
+              <a:t>Zrealizowało detekcję danych osobowych</a:t>
+            </a:r>
+            <a:r>
+              <a:rPr lang="pl-PL" dirty="0"/>
+              <a:t>: Skorzystaliśmy z modeli językowych, takich jak </a:t>
+            </a:r>
+            <a:r>
+              <a:rPr lang="pl-PL" b="1" dirty="0" err="1"/>
+              <a:t>PolBERT</a:t>
+            </a:r>
+            <a:r>
+              <a:rPr lang="pl-PL" dirty="0"/>
+              <a:t>, oraz technologii NLP (</a:t>
+            </a:r>
+            <a:r>
+              <a:rPr lang="pl-PL" dirty="0" err="1"/>
+              <a:t>spaCy</a:t>
+            </a:r>
+            <a:r>
+              <a:rPr lang="pl-PL" dirty="0"/>
+              <a:t>, </a:t>
+            </a:r>
+            <a:r>
+              <a:rPr lang="pl-PL" dirty="0" err="1"/>
+              <a:t>HuggingFace</a:t>
+            </a:r>
+            <a:r>
+              <a:rPr lang="pl-PL" dirty="0"/>
+              <a:t>) do wykrywania i zastępowania danych takich jak imiona, nazwiska, PESEL, adresy i daty na odpowiednie </a:t>
+            </a:r>
+            <a:r>
+              <a:rPr lang="pl-PL" dirty="0" err="1"/>
+              <a:t>tokeny</a:t>
+            </a:r>
+            <a:r>
+              <a:rPr lang="pl-PL" dirty="0"/>
+              <a:t> (np. {</a:t>
+            </a:r>
+            <a:r>
+              <a:rPr lang="pl-PL" dirty="0" err="1"/>
+              <a:t>name</a:t>
+            </a:r>
+            <a:r>
+              <a:rPr lang="pl-PL" dirty="0"/>
+              <a:t>}, {pesel}, {</a:t>
+            </a:r>
+            <a:r>
+              <a:rPr lang="pl-PL" dirty="0" err="1"/>
+              <a:t>address</a:t>
+            </a:r>
+            <a:r>
+              <a:rPr lang="pl-PL" dirty="0"/>
+              <a:t>}).</a:t>
+            </a:r>
+          </a:p>
+          <a:p>
+            <a:r>
+              <a:rPr lang="pl-PL" b="1" dirty="0"/>
+              <a:t>Zastosowało kontekstową </a:t>
+            </a:r>
+            <a:r>
+              <a:rPr lang="pl-PL" b="1" dirty="0" err="1"/>
+              <a:t>anonimizację</a:t>
+            </a:r>
+            <a:r>
+              <a:rPr lang="pl-PL" dirty="0"/>
+              <a:t>: Algorytm poprawnie rozróżnia dane wrażliwe w różnych kontekstach (np. miasto jako miejsce zdarzenia vs miasto jako część adresu) oraz zachowuje gramatyczną strukturę tekstu.</a:t>
+            </a:r>
+          </a:p>
+          <a:p>
+            <a:r>
+              <a:rPr lang="pl-PL" b="1" dirty="0"/>
+              <a:t>Zaprojektowało moduł generacji danych syntetycznych</a:t>
+            </a:r>
+            <a:r>
+              <a:rPr lang="pl-PL" dirty="0"/>
+              <a:t>: Opracowaliśmy rozwiązanie, które umożliwia tworzenie nowych, syntetycznych danych, zamieniając zanonimizowane dane na inne, dopasowane morfologicznie do reszty tekstu.</a:t>
+            </a:r>
+          </a:p>
+          <a:p>
+            <a:r>
+              <a:rPr lang="pl-PL" b="1" dirty="0"/>
+              <a:t>Przygotowanie do integracji</a:t>
+            </a:r>
+            <a:r>
+              <a:rPr lang="pl-PL" dirty="0"/>
+              <a:t>: Stworzyliśmy komponent, który łatwo integruje się z potokami przetwarzania danych (data </a:t>
+            </a:r>
+            <a:r>
+              <a:rPr lang="pl-PL" dirty="0" err="1"/>
+              <a:t>pipelines</a:t>
+            </a:r>
+            <a:r>
+              <a:rPr lang="pl-PL" dirty="0"/>
+              <a:t>), co umożliwia jego przyszłe zastosowanie w projektach takich jak </a:t>
+            </a:r>
+            <a:r>
+              <a:rPr lang="pl-PL" b="1" dirty="0"/>
+              <a:t>PLLUM</a:t>
+            </a:r>
+            <a:r>
+              <a:rPr lang="pl-PL" dirty="0"/>
+              <a:t>.</a:t>
+            </a:r>
+          </a:p>
+          <a:p>
+            <a:r>
+              <a:rPr lang="pl-PL" b="1" dirty="0"/>
+              <a:t>Testowanie i walidacja</a:t>
+            </a:r>
+            <a:r>
+              <a:rPr lang="pl-PL" dirty="0"/>
+              <a:t>: Przeprowadziliśmy testy na przykładowych danych, uzyskując wysoką skuteczność </a:t>
+            </a:r>
+            <a:r>
+              <a:rPr lang="pl-PL" dirty="0" err="1"/>
+              <a:t>anonimizacji</a:t>
+            </a:r>
+            <a:r>
+              <a:rPr lang="pl-PL" dirty="0"/>
+              <a:t>, z minimalizacją błędów (</a:t>
+            </a:r>
+            <a:r>
+              <a:rPr lang="pl-PL" dirty="0" err="1"/>
+              <a:t>False</a:t>
+            </a:r>
+            <a:r>
+              <a:rPr lang="pl-PL" dirty="0"/>
+              <a:t> </a:t>
+            </a:r>
+            <a:r>
+              <a:rPr lang="pl-PL" dirty="0" err="1"/>
+              <a:t>Negatives</a:t>
+            </a:r>
+            <a:r>
+              <a:rPr lang="pl-PL" dirty="0"/>
+              <a:t>) i wysokim </a:t>
+            </a:r>
+            <a:r>
+              <a:rPr lang="pl-PL" b="1" dirty="0"/>
+              <a:t>F1-score</a:t>
+            </a:r>
+            <a:r>
+              <a:rPr lang="pl-PL" dirty="0"/>
+              <a:t>.</a:t>
+            </a:r>
+          </a:p>
+          <a:p>
+            <a:pPr marL="0" indent="0">
+              <a:buNone/>
+            </a:pPr>
+            <a:endParaRPr lang="pl-PL" dirty="0"/>
           </a:p>
         </p:txBody>
       </p:sp>
     </p:spTree>
+    <p:extLst>
+      <p:ext uri="{BB962C8B-B14F-4D97-AF65-F5344CB8AC3E}">
+        <p14:creationId xmlns:p14="http://schemas.microsoft.com/office/powerpoint/2010/main" val="1341721299"/>
+      </p:ext>
+    </p:extLst>
   </p:cSld>
   <p:clrMapOvr>
     <a:masterClrMapping/>
@@ -3537,7 +3592,7 @@
               </a:defRPr>
             </a:pPr>
             <a:r>
-              <a:t>Architektura i Technologie</a:t>
+              <a:t>Problem i Rozwiązanie</a:t>
             </a:r>
           </a:p>
         </p:txBody>
@@ -3554,9 +3609,7 @@
         </p:nvSpPr>
         <p:spPr/>
         <p:txBody>
-          <a:bodyPr>
-            <a:normAutofit fontScale="92500" lnSpcReduction="20000"/>
-          </a:bodyPr>
+          <a:bodyPr/>
           <a:lstStyle/>
           <a:p>
             <a:endParaRPr/>
@@ -3566,69 +3619,47 @@
               <a:spcAft>
                 <a:spcPts val="1000"/>
               </a:spcAft>
-              <a:defRPr sz="2400" b="1">
+              <a:defRPr sz="2800" b="1">
                 <a:solidFill>
                   <a:srgbClr val="333333"/>
                 </a:solidFill>
               </a:defRPr>
             </a:pPr>
             <a:r>
-              <a:t>4 Detektory Działające Równolegle</a:t>
+              <a:t>Problem</a:t>
             </a:r>
           </a:p>
           <a:p>
             <a:pPr lvl="1">
               <a:spcAft>
-                <a:spcPts val="600"/>
+                <a:spcPts val="800"/>
               </a:spcAft>
-              <a:defRPr sz="1600"/>
-            </a:pPr>
-            <a:r>
-              <a:t>PlaceholderDetector: Wykrywa [name], [email], [pesel] - pewność 1.0</a:t>
+              <a:defRPr sz="1800"/>
+            </a:pPr>
+            <a:r>
+              <a:t>Dane osobowe w dokumentach wymagają ochrony zgodnie z RODO/GDPR</a:t>
             </a:r>
           </a:p>
           <a:p>
             <a:pPr lvl="1">
               <a:spcAft>
-                <a:spcPts val="600"/>
+                <a:spcPts val="800"/>
               </a:spcAft>
-              <a:defRPr sz="1600"/>
-            </a:pPr>
-            <a:r>
-              <a:t>RegexDetector: PESEL, NIP, email, telefon - pewność 0.8-0.95</a:t>
+              <a:defRPr sz="1800"/>
+            </a:pPr>
+            <a:r>
+              <a:t>Ręczna anonimizacja setek plików jest czasochłonna i błędogenna</a:t>
             </a:r>
           </a:p>
           <a:p>
             <a:pPr lvl="1">
               <a:spcAft>
-                <a:spcPts val="600"/>
+                <a:spcPts val="800"/>
               </a:spcAft>
-              <a:defRPr sz="1600"/>
-            </a:pPr>
-            <a:r>
-              <a:t>PolishDetector: Polskie wzorce: adresy, kody pocztowe - pewność 0.7-0.9</a:t>
-            </a:r>
-          </a:p>
-          <a:p>
-            <a:pPr lvl="1">
-              <a:spcAft>
-                <a:spcPts val="600"/>
-              </a:spcAft>
-              <a:defRPr sz="1600"/>
-            </a:pPr>
-            <a:r>
-              <a:t>NLPDetector: spaCy NER dla imion/nazwisk - pewność 0.6-0.95</a:t>
-            </a:r>
-          </a:p>
-          <a:p>
-            <a:pPr lvl="1">
-              <a:spcAft>
-                <a:spcPts val="600"/>
-              </a:spcAft>
-              <a:defRPr sz="1600"/>
-            </a:pPr>
-            <a:r>
-              <a:t>LLMDetector: PLLUM (12B parametrów) - najwyższa dokładność</a:t>
+              <a:defRPr sz="1800"/>
+            </a:pPr>
+            <a:r>
+              <a:t>Brak uniwersalnego narzędzia dla różnych formatów (DOCX, PDF, XLSX)</a:t>
             </a:r>
           </a:p>
           <a:p>
@@ -3639,58 +3670,47 @@
               <a:spcAft>
                 <a:spcPts val="1000"/>
               </a:spcAft>
-              <a:defRPr sz="2400" b="1">
+              <a:defRPr sz="2800" b="1">
                 <a:solidFill>
                   <a:srgbClr val="667EEA"/>
                 </a:solidFill>
               </a:defRPr>
             </a:pPr>
             <a:r>
-              <a:t>Stack Technologiczny</a:t>
+              <a:t>Rozwiązanie</a:t>
             </a:r>
           </a:p>
           <a:p>
             <a:pPr lvl="1">
               <a:spcAft>
-                <a:spcPts val="600"/>
+                <a:spcPts val="800"/>
               </a:spcAft>
-              <a:defRPr sz="1600"/>
-            </a:pPr>
-            <a:r>
-              <a:t>Python 3.12 • spaCy 3.7 • langchain-openai</a:t>
+              <a:defRPr sz="1800"/>
+            </a:pPr>
+            <a:r>
+              <a:t>Automatyczne wykrywanie 25+ typów danych osobowych</a:t>
             </a:r>
           </a:p>
           <a:p>
             <a:pPr lvl="1">
               <a:spcAft>
-                <a:spcPts val="600"/>
+                <a:spcPts val="800"/>
               </a:spcAft>
-              <a:defRPr sz="1600"/>
-            </a:pPr>
-            <a:r>
-              <a:t>PyPDF2, python-docx, openpyxl (procesory formatów)</a:t>
+              <a:defRPr sz="1800"/>
+            </a:pPr>
+            <a:r>
+              <a:t>Wsparcie dla 5+ formatów plików (TXT, DOCX, PDF, XLSX, CSV)</a:t>
             </a:r>
           </a:p>
           <a:p>
             <a:pPr lvl="1">
               <a:spcAft>
-                <a:spcPts val="600"/>
+                <a:spcPts val="800"/>
               </a:spcAft>
-              <a:defRPr sz="1600"/>
-            </a:pPr>
-            <a:r>
-              <a:t>matplotlib, plotly (wizualizacja raportów)</a:t>
-            </a:r>
-          </a:p>
-          <a:p>
-            <a:pPr lvl="1">
-              <a:spcAft>
-                <a:spcPts val="600"/>
-              </a:spcAft>
-              <a:defRPr sz="1600"/>
-            </a:pPr>
-            <a:r>
-              <a:t>Nuitka (kompilacja do standalone EXE)</a:t>
+              <a:defRPr sz="1800"/>
+            </a:pPr>
+            <a:r>
+              <a:t>3 interfejsy: Biblioteka Python, CLI, Standalone EXE</a:t>
             </a:r>
           </a:p>
         </p:txBody>
@@ -3743,6 +3763,212 @@
               </a:defRPr>
             </a:pPr>
             <a:r>
+              <a:t>Architektura i Technologie</a:t>
+            </a:r>
+          </a:p>
+        </p:txBody>
+      </p:sp>
+      <p:sp>
+        <p:nvSpPr>
+          <p:cNvPr id="3" name="Content Placeholder 2"/>
+          <p:cNvSpPr>
+            <a:spLocks noGrp="1"/>
+          </p:cNvSpPr>
+          <p:nvPr>
+            <p:ph idx="1"/>
+          </p:nvPr>
+        </p:nvSpPr>
+        <p:spPr/>
+        <p:txBody>
+          <a:bodyPr>
+            <a:normAutofit fontScale="92500" lnSpcReduction="20000"/>
+          </a:bodyPr>
+          <a:lstStyle/>
+          <a:p>
+            <a:endParaRPr/>
+          </a:p>
+          <a:p>
+            <a:pPr>
+              <a:spcAft>
+                <a:spcPts val="1000"/>
+              </a:spcAft>
+              <a:defRPr sz="2400" b="1">
+                <a:solidFill>
+                  <a:srgbClr val="333333"/>
+                </a:solidFill>
+              </a:defRPr>
+            </a:pPr>
+            <a:r>
+              <a:t>4 Detektory Działające Równolegle</a:t>
+            </a:r>
+          </a:p>
+          <a:p>
+            <a:pPr lvl="1">
+              <a:spcAft>
+                <a:spcPts val="600"/>
+              </a:spcAft>
+              <a:defRPr sz="1600"/>
+            </a:pPr>
+            <a:r>
+              <a:t>PlaceholderDetector: Wykrywa [name], [email], [pesel] - pewność 1.0</a:t>
+            </a:r>
+          </a:p>
+          <a:p>
+            <a:pPr lvl="1">
+              <a:spcAft>
+                <a:spcPts val="600"/>
+              </a:spcAft>
+              <a:defRPr sz="1600"/>
+            </a:pPr>
+            <a:r>
+              <a:t>RegexDetector: PESEL, NIP, email, telefon - pewność 0.8-0.95</a:t>
+            </a:r>
+          </a:p>
+          <a:p>
+            <a:pPr lvl="1">
+              <a:spcAft>
+                <a:spcPts val="600"/>
+              </a:spcAft>
+              <a:defRPr sz="1600"/>
+            </a:pPr>
+            <a:r>
+              <a:t>PolishDetector: Polskie wzorce: adresy, kody pocztowe - pewność 0.7-0.9</a:t>
+            </a:r>
+          </a:p>
+          <a:p>
+            <a:pPr lvl="1">
+              <a:spcAft>
+                <a:spcPts val="600"/>
+              </a:spcAft>
+              <a:defRPr sz="1600"/>
+            </a:pPr>
+            <a:r>
+              <a:t>NLPDetector: spaCy NER dla imion/nazwisk - pewność 0.6-0.95</a:t>
+            </a:r>
+          </a:p>
+          <a:p>
+            <a:pPr lvl="1">
+              <a:spcAft>
+                <a:spcPts val="600"/>
+              </a:spcAft>
+              <a:defRPr sz="1600"/>
+            </a:pPr>
+            <a:r>
+              <a:t>LLMDetector: PLLUM (12B parametrów) - najwyższa dokładność</a:t>
+            </a:r>
+          </a:p>
+          <a:p>
+            <a:pPr>
+              <a:spcBef>
+                <a:spcPts val="2000"/>
+              </a:spcBef>
+              <a:spcAft>
+                <a:spcPts val="1000"/>
+              </a:spcAft>
+              <a:defRPr sz="2400" b="1">
+                <a:solidFill>
+                  <a:srgbClr val="667EEA"/>
+                </a:solidFill>
+              </a:defRPr>
+            </a:pPr>
+            <a:r>
+              <a:t>Stack Technologiczny</a:t>
+            </a:r>
+          </a:p>
+          <a:p>
+            <a:pPr lvl="1">
+              <a:spcAft>
+                <a:spcPts val="600"/>
+              </a:spcAft>
+              <a:defRPr sz="1600"/>
+            </a:pPr>
+            <a:r>
+              <a:t>Python 3.12 • spaCy 3.7 • langchain-openai</a:t>
+            </a:r>
+          </a:p>
+          <a:p>
+            <a:pPr lvl="1">
+              <a:spcAft>
+                <a:spcPts val="600"/>
+              </a:spcAft>
+              <a:defRPr sz="1600"/>
+            </a:pPr>
+            <a:r>
+              <a:t>PyPDF2, python-docx, openpyxl (procesory formatów)</a:t>
+            </a:r>
+          </a:p>
+          <a:p>
+            <a:pPr lvl="1">
+              <a:spcAft>
+                <a:spcPts val="600"/>
+              </a:spcAft>
+              <a:defRPr sz="1600"/>
+            </a:pPr>
+            <a:r>
+              <a:t>matplotlib, plotly (wizualizacja raportów)</a:t>
+            </a:r>
+          </a:p>
+          <a:p>
+            <a:pPr lvl="1">
+              <a:spcAft>
+                <a:spcPts val="600"/>
+              </a:spcAft>
+              <a:defRPr sz="1600"/>
+            </a:pPr>
+            <a:r>
+              <a:t>Nuitka (kompilacja do standalone EXE)</a:t>
+            </a:r>
+          </a:p>
+        </p:txBody>
+      </p:sp>
+    </p:spTree>
+  </p:cSld>
+  <p:clrMapOvr>
+    <a:masterClrMapping/>
+  </p:clrMapOvr>
+</p:sld>
+</file>
+
+<file path=ppt/slides/slide5.xml><?xml version="1.0" encoding="utf-8"?>
+<p:sld xmlns:a="http://schemas.openxmlformats.org/drawingml/2006/main" xmlns:r="http://schemas.openxmlformats.org/officeDocument/2006/relationships" xmlns:p="http://schemas.openxmlformats.org/presentationml/2006/main">
+  <p:cSld>
+    <p:spTree>
+      <p:nvGrpSpPr>
+        <p:cNvPr id="1" name=""/>
+        <p:cNvGrpSpPr/>
+        <p:nvPr/>
+      </p:nvGrpSpPr>
+      <p:grpSpPr>
+        <a:xfrm>
+          <a:off x="0" y="0"/>
+          <a:ext cx="0" cy="0"/>
+          <a:chOff x="0" y="0"/>
+          <a:chExt cx="0" cy="0"/>
+        </a:xfrm>
+      </p:grpSpPr>
+      <p:sp>
+        <p:nvSpPr>
+          <p:cNvPr id="2" name="Title 1"/>
+          <p:cNvSpPr>
+            <a:spLocks noGrp="1"/>
+          </p:cNvSpPr>
+          <p:nvPr>
+            <p:ph type="title"/>
+          </p:nvPr>
+        </p:nvSpPr>
+        <p:spPr/>
+        <p:txBody>
+          <a:bodyPr/>
+          <a:lstStyle/>
+          <a:p>
+            <a:pPr>
+              <a:defRPr sz="4400" b="1">
+                <a:solidFill>
+                  <a:srgbClr val="667EEA"/>
+                </a:solidFill>
+              </a:defRPr>
+            </a:pPr>
+            <a:r>
               <a:t>Kluczowe Funkcjonalności</a:t>
             </a:r>
           </a:p>
@@ -3947,7 +4173,7 @@
 </p:sld>
 </file>
 
-<file path=ppt/slides/slide5.xml><?xml version="1.0" encoding="utf-8"?>
+<file path=ppt/slides/slide6.xml><?xml version="1.0" encoding="utf-8"?>
 <p:sld xmlns:a="http://schemas.openxmlformats.org/drawingml/2006/main" xmlns:r="http://schemas.openxmlformats.org/officeDocument/2006/relationships" xmlns:p="http://schemas.openxmlformats.org/presentationml/2006/main">
   <p:cSld>
     <p:spTree>
@@ -4383,6 +4609,68 @@
         </p:txBody>
       </p:sp>
     </p:spTree>
+  </p:cSld>
+  <p:clrMapOvr>
+    <a:masterClrMapping/>
+  </p:clrMapOvr>
+</p:sld>
+</file>
+
+<file path=ppt/slides/slide7.xml><?xml version="1.0" encoding="utf-8"?>
+<p:sld xmlns:a="http://schemas.openxmlformats.org/drawingml/2006/main" xmlns:r="http://schemas.openxmlformats.org/officeDocument/2006/relationships" xmlns:p="http://schemas.openxmlformats.org/presentationml/2006/main">
+  <p:cSld>
+    <p:spTree>
+      <p:nvGrpSpPr>
+        <p:cNvPr id="1" name=""/>
+        <p:cNvGrpSpPr/>
+        <p:nvPr/>
+      </p:nvGrpSpPr>
+      <p:grpSpPr>
+        <a:xfrm>
+          <a:off x="0" y="0"/>
+          <a:ext cx="0" cy="0"/>
+          <a:chOff x="0" y="0"/>
+          <a:chExt cx="0" cy="0"/>
+        </a:xfrm>
+      </p:grpSpPr>
+      <p:pic>
+        <p:nvPicPr>
+          <p:cNvPr id="5" name="Content Placeholder 4" descr="A computer screen with blue text&#10;&#10;AI-generated content may be incorrect.">
+            <a:extLst>
+              <a:ext uri="{FF2B5EF4-FFF2-40B4-BE49-F238E27FC236}">
+                <a16:creationId xmlns:a16="http://schemas.microsoft.com/office/drawing/2014/main" id="{4F0E1198-2215-B5AF-BCF4-2F6EBB8FF609}"/>
+              </a:ext>
+            </a:extLst>
+          </p:cNvPr>
+          <p:cNvPicPr>
+            <a:picLocks noGrp="1" noChangeAspect="1"/>
+          </p:cNvPicPr>
+          <p:nvPr>
+            <p:ph idx="1"/>
+          </p:nvPr>
+        </p:nvPicPr>
+        <p:blipFill>
+          <a:blip r:embed="rId2"/>
+          <a:stretch>
+            <a:fillRect/>
+          </a:stretch>
+        </p:blipFill>
+        <p:spPr>
+          <a:xfrm>
+            <a:off x="457200" y="2577874"/>
+            <a:ext cx="8229600" cy="2570614"/>
+          </a:xfrm>
+          <a:prstGeom prst="rect">
+            <a:avLst/>
+          </a:prstGeom>
+        </p:spPr>
+      </p:pic>
+    </p:spTree>
+    <p:extLst>
+      <p:ext uri="{BB962C8B-B14F-4D97-AF65-F5344CB8AC3E}">
+        <p14:creationId xmlns:p14="http://schemas.microsoft.com/office/powerpoint/2010/main" val="2003223896"/>
+      </p:ext>
+    </p:extLst>
   </p:cSld>
   <p:clrMapOvr>
     <a:masterClrMapping/>

--- a/DaneBezTwarzy_Prezentacja.pptx
+++ b/DaneBezTwarzy_Prezentacja.pptx
@@ -12,6 +12,7 @@
     <p:sldId id="259" r:id="rId6"/>
     <p:sldId id="260" r:id="rId7"/>
     <p:sldId id="262" r:id="rId8"/>
+    <p:sldId id="263" r:id="rId9"/>
   </p:sldIdLst>
   <p:sldSz cx="9144000" cy="6858000" type="screen4x3"/>
   <p:notesSz cx="6858000" cy="9144000"/>
@@ -4669,6 +4670,116 @@
     <p:extLst>
       <p:ext uri="{BB962C8B-B14F-4D97-AF65-F5344CB8AC3E}">
         <p14:creationId xmlns:p14="http://schemas.microsoft.com/office/powerpoint/2010/main" val="2003223896"/>
+      </p:ext>
+    </p:extLst>
+  </p:cSld>
+  <p:clrMapOvr>
+    <a:masterClrMapping/>
+  </p:clrMapOvr>
+</p:sld>
+</file>
+
+<file path=ppt/slides/slide8.xml><?xml version="1.0" encoding="utf-8"?>
+<p:sld xmlns:a="http://schemas.openxmlformats.org/drawingml/2006/main" xmlns:r="http://schemas.openxmlformats.org/officeDocument/2006/relationships" xmlns:p="http://schemas.openxmlformats.org/presentationml/2006/main">
+  <p:cSld>
+    <p:spTree>
+      <p:nvGrpSpPr>
+        <p:cNvPr id="1" name=""/>
+        <p:cNvGrpSpPr/>
+        <p:nvPr/>
+      </p:nvGrpSpPr>
+      <p:grpSpPr>
+        <a:xfrm>
+          <a:off x="0" y="0"/>
+          <a:ext cx="0" cy="0"/>
+          <a:chOff x="0" y="0"/>
+          <a:chExt cx="0" cy="0"/>
+        </a:xfrm>
+      </p:grpSpPr>
+      <p:sp>
+        <p:nvSpPr>
+          <p:cNvPr id="2" name="Title 1">
+            <a:extLst>
+              <a:ext uri="{FF2B5EF4-FFF2-40B4-BE49-F238E27FC236}">
+                <a16:creationId xmlns:a16="http://schemas.microsoft.com/office/drawing/2014/main" id="{0407E7D5-C13F-83D8-64C5-27A329F5442C}"/>
+              </a:ext>
+            </a:extLst>
+          </p:cNvPr>
+          <p:cNvSpPr>
+            <a:spLocks noGrp="1"/>
+          </p:cNvSpPr>
+          <p:nvPr>
+            <p:ph type="ctrTitle"/>
+          </p:nvPr>
+        </p:nvSpPr>
+        <p:spPr/>
+        <p:txBody>
+          <a:bodyPr/>
+          <a:lstStyle/>
+          <a:p>
+            <a:endParaRPr lang="pl-PL" dirty="0"/>
+          </a:p>
+        </p:txBody>
+      </p:sp>
+      <p:sp>
+        <p:nvSpPr>
+          <p:cNvPr id="3" name="Subtitle 2">
+            <a:extLst>
+              <a:ext uri="{FF2B5EF4-FFF2-40B4-BE49-F238E27FC236}">
+                <a16:creationId xmlns:a16="http://schemas.microsoft.com/office/drawing/2014/main" id="{419672C2-F64D-E63E-C3B4-867818A5735B}"/>
+              </a:ext>
+            </a:extLst>
+          </p:cNvPr>
+          <p:cNvSpPr>
+            <a:spLocks noGrp="1"/>
+          </p:cNvSpPr>
+          <p:nvPr>
+            <p:ph type="subTitle" idx="1"/>
+          </p:nvPr>
+        </p:nvSpPr>
+        <p:spPr/>
+        <p:txBody>
+          <a:bodyPr/>
+          <a:lstStyle/>
+          <a:p>
+            <a:endParaRPr lang="pl-PL"/>
+          </a:p>
+        </p:txBody>
+      </p:sp>
+      <p:pic>
+        <p:nvPicPr>
+          <p:cNvPr id="7" name="Picture 6" descr="A screenshot of a graph&#10;&#10;AI-generated content may be incorrect.">
+            <a:extLst>
+              <a:ext uri="{FF2B5EF4-FFF2-40B4-BE49-F238E27FC236}">
+                <a16:creationId xmlns:a16="http://schemas.microsoft.com/office/drawing/2014/main" id="{82CD73DE-5F79-64C9-0287-1C4A4A8E8CCE}"/>
+              </a:ext>
+            </a:extLst>
+          </p:cNvPr>
+          <p:cNvPicPr>
+            <a:picLocks noChangeAspect="1"/>
+          </p:cNvPicPr>
+          <p:nvPr/>
+        </p:nvPicPr>
+        <p:blipFill>
+          <a:blip r:embed="rId2"/>
+          <a:stretch>
+            <a:fillRect/>
+          </a:stretch>
+        </p:blipFill>
+        <p:spPr>
+          <a:xfrm>
+            <a:off x="544155" y="0"/>
+            <a:ext cx="8055689" cy="6858000"/>
+          </a:xfrm>
+          <a:prstGeom prst="rect">
+            <a:avLst/>
+          </a:prstGeom>
+        </p:spPr>
+      </p:pic>
+    </p:spTree>
+    <p:extLst>
+      <p:ext uri="{BB962C8B-B14F-4D97-AF65-F5344CB8AC3E}">
+        <p14:creationId xmlns:p14="http://schemas.microsoft.com/office/powerpoint/2010/main" val="47798904"/>
       </p:ext>
     </p:extLst>
   </p:cSld>
